--- a/16216/f15/lectures/16.216f15_lec8_range_switch.pptx
+++ b/16216/f15/lectures/16.216f15_lec8_range_switch.pptx
@@ -528,7 +528,7 @@
         <p:nvSpPr>
           <p:cNvPr id="16388" name="Rectangle 4"/>
           <p:cNvSpPr>
-            <a:spLocks noRot="1" noChangeArrowheads="1" noTextEdit="1"/>
+            <a:spLocks noGrp="1" noRot="1" noChangeAspect="1" noChangeArrowheads="1" noTextEdit="1"/>
           </p:cNvSpPr>
           <p:nvPr>
             <p:ph type="sldImg" idx="2"/>
@@ -1049,7 +1049,7 @@
         <p:nvSpPr>
           <p:cNvPr id="17411" name="Rectangle 2"/>
           <p:cNvSpPr>
-            <a:spLocks noRot="1" noChangeArrowheads="1" noTextEdit="1"/>
+            <a:spLocks noGrp="1" noRot="1" noChangeAspect="1" noChangeArrowheads="1" noTextEdit="1"/>
           </p:cNvSpPr>
           <p:nvPr>
             <p:ph type="sldImg"/>
@@ -1337,7 +1337,7 @@
             <a:fld id="{5C070B58-C8C1-8C4F-8E2A-E2C0A5BE8827}" type="datetime1">
               <a:rPr lang="en-US"/>
               <a:pPr/>
-              <a:t>9/17/15</a:t>
+              <a:t>9/21/15</a:t>
             </a:fld>
             <a:endParaRPr lang="en-US"/>
           </a:p>
@@ -1534,7 +1534,7 @@
             <a:fld id="{3861A409-4397-FE42-B14A-D10D23713121}" type="datetime1">
               <a:rPr lang="en-US"/>
               <a:pPr/>
-              <a:t>9/17/15</a:t>
+              <a:t>9/21/15</a:t>
             </a:fld>
             <a:endParaRPr lang="en-US"/>
           </a:p>
@@ -1740,7 +1740,7 @@
             <a:fld id="{020C4EFE-BEE9-E34D-8E69-3EB9734E61E9}" type="datetime1">
               <a:rPr lang="en-US"/>
               <a:pPr/>
-              <a:t>9/17/15</a:t>
+              <a:t>9/21/15</a:t>
             </a:fld>
             <a:endParaRPr lang="en-US"/>
           </a:p>
@@ -2003,7 +2003,7 @@
             <a:fld id="{7CA3AC27-A497-A44A-89A1-B0F8EBEE47C2}" type="datetime1">
               <a:rPr lang="en-US"/>
               <a:pPr/>
-              <a:t>9/17/15</a:t>
+              <a:t>9/21/15</a:t>
             </a:fld>
             <a:endParaRPr lang="en-US"/>
           </a:p>
@@ -2266,7 +2266,7 @@
             <a:fld id="{F6603EF2-D514-8F4C-841E-2D8DC6BA21DA}" type="datetime1">
               <a:rPr lang="en-US"/>
               <a:pPr/>
-              <a:t>9/17/15</a:t>
+              <a:t>9/21/15</a:t>
             </a:fld>
             <a:endParaRPr lang="en-US"/>
           </a:p>
@@ -2462,7 +2462,7 @@
             <a:fld id="{53C98EA7-8C56-4B42-8A0D-039289745663}" type="datetime1">
               <a:rPr lang="en-US"/>
               <a:pPr/>
-              <a:t>9/17/15</a:t>
+              <a:t>9/21/15</a:t>
             </a:fld>
             <a:endParaRPr lang="en-US"/>
           </a:p>
@@ -2680,7 +2680,7 @@
             <a:fld id="{24A351FC-2FDD-6C42-B989-EA3C8ED6CD28}" type="datetime1">
               <a:rPr lang="en-US"/>
               <a:pPr/>
-              <a:t>9/17/15</a:t>
+              <a:t>9/21/15</a:t>
             </a:fld>
             <a:endParaRPr lang="en-US"/>
           </a:p>
@@ -2994,7 +2994,7 @@
             <a:fld id="{A02119D3-B89C-6847-A592-DE2B0F6966BA}" type="datetime1">
               <a:rPr lang="en-US"/>
               <a:pPr/>
-              <a:t>9/17/15</a:t>
+              <a:t>9/21/15</a:t>
             </a:fld>
             <a:endParaRPr lang="en-US"/>
           </a:p>
@@ -3447,7 +3447,7 @@
             <a:fld id="{87F528F3-5E2F-A546-B688-1416183D9CF5}" type="datetime1">
               <a:rPr lang="en-US"/>
               <a:pPr/>
-              <a:t>9/17/15</a:t>
+              <a:t>9/21/15</a:t>
             </a:fld>
             <a:endParaRPr lang="en-US"/>
           </a:p>
@@ -3591,7 +3591,7 @@
             <a:fld id="{A47B2888-7BC9-F540-A14D-B72D1C04FC85}" type="datetime1">
               <a:rPr lang="en-US"/>
               <a:pPr/>
-              <a:t>9/17/15</a:t>
+              <a:t>9/21/15</a:t>
             </a:fld>
             <a:endParaRPr lang="en-US"/>
           </a:p>
@@ -3712,7 +3712,7 @@
             <a:fld id="{51F3742C-B8D7-C043-B3F7-DAD91995C815}" type="datetime1">
               <a:rPr lang="en-US"/>
               <a:pPr/>
-              <a:t>9/17/15</a:t>
+              <a:t>9/21/15</a:t>
             </a:fld>
             <a:endParaRPr lang="en-US"/>
           </a:p>
@@ -4015,7 +4015,7 @@
             <a:fld id="{2E5C12A0-2F26-6246-87D0-8E8DF43D1084}" type="datetime1">
               <a:rPr lang="en-US"/>
               <a:pPr/>
-              <a:t>9/17/15</a:t>
+              <a:t>9/21/15</a:t>
             </a:fld>
             <a:endParaRPr lang="en-US"/>
           </a:p>
@@ -4295,7 +4295,7 @@
             <a:fld id="{1BB23DE5-0280-AE4D-BCF0-439A28665313}" type="datetime1">
               <a:rPr lang="en-US"/>
               <a:pPr/>
-              <a:t>9/17/15</a:t>
+              <a:t>9/21/15</a:t>
             </a:fld>
             <a:endParaRPr lang="en-US"/>
           </a:p>
@@ -4594,7 +4594,7 @@
             <a:fld id="{5C9B151F-D2DF-B445-8CBC-1783D62CADBD}" type="datetime1">
               <a:rPr lang="en-US"/>
               <a:pPr/>
-              <a:t>9/17/15</a:t>
+              <a:t>9/21/15</a:t>
             </a:fld>
             <a:endParaRPr lang="en-US"/>
           </a:p>
@@ -5819,7 +5819,7 @@
                 <a:latin typeface="Garamond" charset="0"/>
               </a:rPr>
               <a:pPr eaLnBrk="1" hangingPunct="1"/>
-              <a:t>9/17/15</a:t>
+              <a:t>9/21/15</a:t>
             </a:fld>
             <a:endParaRPr lang="en-US">
               <a:latin typeface="Garamond" charset="0"/>
@@ -6889,7 +6889,7 @@
                 <a:latin typeface="Garamond" charset="0"/>
               </a:rPr>
               <a:pPr eaLnBrk="1" hangingPunct="1"/>
-              <a:t>9/17/15</a:t>
+              <a:t>9/21/15</a:t>
             </a:fld>
             <a:endParaRPr lang="en-US">
               <a:latin typeface="Garamond" charset="0"/>
@@ -7644,7 +7644,7 @@
                 <a:latin typeface="Garamond" charset="0"/>
               </a:rPr>
               <a:pPr eaLnBrk="1" hangingPunct="1"/>
-              <a:t>9/17/15</a:t>
+              <a:t>9/21/15</a:t>
             </a:fld>
             <a:endParaRPr lang="en-US">
               <a:latin typeface="Garamond" charset="0"/>
@@ -8055,7 +8055,7 @@
                 <a:latin typeface="Garamond" charset="0"/>
               </a:rPr>
               <a:pPr eaLnBrk="1" hangingPunct="1"/>
-              <a:t>9/17/15</a:t>
+              <a:t>9/21/15</a:t>
             </a:fld>
             <a:endParaRPr lang="en-US">
               <a:latin typeface="Garamond" charset="0"/>
@@ -8817,7 +8817,7 @@
                 <a:latin typeface="Garamond" charset="0"/>
               </a:rPr>
               <a:pPr eaLnBrk="1" hangingPunct="1"/>
-              <a:t>9/17/15</a:t>
+              <a:t>9/21/15</a:t>
             </a:fld>
             <a:endParaRPr lang="en-US">
               <a:latin typeface="Garamond" charset="0"/>
@@ -9332,7 +9332,7 @@
                 <a:latin typeface="Garamond" charset="0"/>
               </a:rPr>
               <a:pPr eaLnBrk="1" hangingPunct="1"/>
-              <a:t>9/17/15</a:t>
+              <a:t>9/21/15</a:t>
             </a:fld>
             <a:endParaRPr lang="en-US">
               <a:latin typeface="Garamond" charset="0"/>
@@ -10069,7 +10069,7 @@
                 <a:latin typeface="Garamond" charset="0"/>
               </a:rPr>
               <a:pPr eaLnBrk="1" hangingPunct="1"/>
-              <a:t>9/17/15</a:t>
+              <a:t>9/21/15</a:t>
             </a:fld>
             <a:endParaRPr lang="en-US">
               <a:latin typeface="Garamond" charset="0"/>
@@ -10726,7 +10726,7 @@
                 <a:latin typeface="Garamond" charset="0"/>
               </a:rPr>
               <a:pPr eaLnBrk="1" hangingPunct="1"/>
-              <a:t>9/17/15</a:t>
+              <a:t>9/21/15</a:t>
             </a:fld>
             <a:endParaRPr lang="en-US">
               <a:latin typeface="Garamond" charset="0"/>
@@ -11394,7 +11394,7 @@
                 <a:latin typeface="Garamond" charset="0"/>
               </a:rPr>
               <a:pPr eaLnBrk="1" hangingPunct="1"/>
-              <a:t>9/17/15</a:t>
+              <a:t>9/21/15</a:t>
             </a:fld>
             <a:endParaRPr lang="en-US">
               <a:latin typeface="Garamond" charset="0"/>
@@ -12340,7 +12340,7 @@
                 <a:latin typeface="Garamond" charset="0"/>
               </a:rPr>
               <a:pPr eaLnBrk="1" hangingPunct="1"/>
-              <a:t>9/17/15</a:t>
+              <a:t>9/21/15</a:t>
             </a:fld>
             <a:endParaRPr lang="en-US">
               <a:latin typeface="Garamond" charset="0"/>
@@ -12841,7 +12841,7 @@
                 <a:latin typeface="Garamond" charset="0"/>
               </a:rPr>
               <a:pPr eaLnBrk="1" hangingPunct="1"/>
-              <a:t>9/17/15</a:t>
+              <a:t>9/21/15</a:t>
             </a:fld>
             <a:endParaRPr lang="en-US">
               <a:latin typeface="Garamond" charset="0"/>
@@ -13346,7 +13346,7 @@
                 <a:latin typeface="Garamond" charset="0"/>
               </a:rPr>
               <a:pPr eaLnBrk="1" hangingPunct="1"/>
-              <a:t>9/17/15</a:t>
+              <a:t>9/21/15</a:t>
             </a:fld>
             <a:endParaRPr lang="en-US">
               <a:latin typeface="Garamond" charset="0"/>
@@ -14039,7 +14039,7 @@
                 <a:latin typeface="Garamond" charset="0"/>
               </a:rPr>
               <a:pPr eaLnBrk="1" hangingPunct="1"/>
-              <a:t>9/17/15</a:t>
+              <a:t>9/21/15</a:t>
             </a:fld>
             <a:endParaRPr lang="en-US">
               <a:latin typeface="Garamond" charset="0"/>
@@ -14996,7 +14996,7 @@
                 <a:latin typeface="Garamond" charset="0"/>
               </a:rPr>
               <a:pPr eaLnBrk="1" hangingPunct="1"/>
-              <a:t>9/17/15</a:t>
+              <a:t>9/21/15</a:t>
             </a:fld>
             <a:endParaRPr lang="en-US">
               <a:latin typeface="Garamond" charset="0"/>
@@ -15282,7 +15282,7 @@
               <a:rPr lang="en-US" dirty="0">
                 <a:latin typeface="Arial" charset="0"/>
               </a:rPr>
-              <a:t>Program 3 due 2/23</a:t>
+              <a:t>Program 3 due 9/25</a:t>
             </a:r>
           </a:p>
           <a:p>
@@ -15291,16 +15291,7 @@
               <a:rPr lang="en-US" dirty="0">
                 <a:latin typeface="Arial" charset="0"/>
               </a:rPr>
-              <a:t>Lecture next Tuesday, not Monday (Presidents’ Day)</a:t>
-            </a:r>
-          </a:p>
-          <a:p>
-            <a:pPr lvl="1"/>
-            <a:r>
-              <a:rPr lang="en-US" dirty="0">
-                <a:latin typeface="Arial" charset="0"/>
-              </a:rPr>
-              <a:t>Exam 1: Friday, 2/20</a:t>
+              <a:t>Exam 1: Wednesday, 9/30</a:t>
             </a:r>
           </a:p>
           <a:p>
@@ -15450,7 +15441,7 @@
                 <a:latin typeface="Garamond" charset="0"/>
               </a:rPr>
               <a:pPr eaLnBrk="1" hangingPunct="1"/>
-              <a:t>9/17/15</a:t>
+              <a:t>9/21/15</a:t>
             </a:fld>
             <a:endParaRPr lang="en-US">
               <a:latin typeface="Garamond" charset="0"/>
@@ -16154,7 +16145,7 @@
                 <a:latin typeface="Garamond" charset="0"/>
               </a:rPr>
               <a:pPr eaLnBrk="1" hangingPunct="1"/>
-              <a:t>9/17/15</a:t>
+              <a:t>9/21/15</a:t>
             </a:fld>
             <a:endParaRPr lang="en-US">
               <a:latin typeface="Garamond" charset="0"/>
@@ -16838,7 +16829,7 @@
                 <a:latin typeface="Garamond" charset="0"/>
               </a:rPr>
               <a:pPr eaLnBrk="1" hangingPunct="1"/>
-              <a:t>9/17/15</a:t>
+              <a:t>9/21/15</a:t>
             </a:fld>
             <a:endParaRPr lang="en-US">
               <a:latin typeface="Garamond" charset="0"/>
@@ -17467,7 +17458,7 @@
                 <a:latin typeface="Garamond" charset="0"/>
               </a:rPr>
               <a:pPr eaLnBrk="1" hangingPunct="1"/>
-              <a:t>9/17/15</a:t>
+              <a:t>9/21/15</a:t>
             </a:fld>
             <a:endParaRPr lang="en-US">
               <a:latin typeface="Garamond" charset="0"/>
@@ -17716,7 +17707,7 @@
         <p:spPr bwMode="auto">
           <a:xfrm>
             <a:off x="381000" y="1371600"/>
-            <a:ext cx="8458200" cy="3278188"/>
+            <a:ext cx="8458200" cy="3277820"/>
           </a:xfrm>
           <a:prstGeom prst="rect">
             <a:avLst/>
@@ -17843,7 +17834,7 @@
               </a:spcBef>
             </a:pPr>
             <a:r>
-              <a:rPr lang="en-US" sz="1800"/>
+              <a:rPr lang="en-US" sz="1800" dirty="0"/>
               <a:t>Use the &amp;&amp; or || as needed to check for multiple conditions</a:t>
             </a:r>
           </a:p>
@@ -17854,10 +17845,16 @@
               </a:spcBef>
             </a:pPr>
             <a:r>
-              <a:rPr lang="en-US" sz="1800">
-                <a:latin typeface="Courier New" charset="0"/>
-              </a:rPr>
-              <a:t>int n;</a:t>
+              <a:rPr lang="en-US" sz="1800" dirty="0" err="1">
+                <a:latin typeface="Courier New" charset="0"/>
+              </a:rPr>
+              <a:t>int</a:t>
+            </a:r>
+            <a:r>
+              <a:rPr lang="en-US" sz="1800" dirty="0">
+                <a:latin typeface="Courier New" charset="0"/>
+              </a:rPr>
+              <a:t> n;</a:t>
             </a:r>
           </a:p>
           <a:p>
@@ -17867,33 +17864,54 @@
               </a:spcBef>
             </a:pPr>
             <a:r>
-              <a:rPr lang="en-US" sz="1800">
-                <a:latin typeface="Courier New" charset="0"/>
-              </a:rPr>
-              <a:t>printf("Enter a number 1 to 10: ");</a:t>
+              <a:rPr lang="en-US" sz="1800" dirty="0" err="1">
+                <a:latin typeface="Courier New" charset="0"/>
+              </a:rPr>
+              <a:t>printf</a:t>
+            </a:r>
+            <a:r>
+              <a:rPr lang="en-US" sz="1800" dirty="0">
+                <a:latin typeface="Courier New" charset="0"/>
+              </a:rPr>
+              <a:t>("Enter a number 1 to 10: ");</a:t>
             </a:r>
             <a:br>
-              <a:rPr lang="en-US" sz="1800">
+              <a:rPr lang="en-US" sz="1800" dirty="0">
                 <a:latin typeface="Courier New" charset="0"/>
               </a:rPr>
             </a:br>
             <a:r>
-              <a:rPr lang="en-US" sz="1800">
-                <a:latin typeface="Courier New" charset="0"/>
-              </a:rPr>
-              <a:t>scanf("%d",&amp;n);</a:t>
+              <a:rPr lang="en-US" sz="1800" dirty="0" err="1">
+                <a:latin typeface="Courier New" charset="0"/>
+              </a:rPr>
+              <a:t>scanf</a:t>
+            </a:r>
+            <a:r>
+              <a:rPr lang="en-US" sz="1800" dirty="0">
+                <a:latin typeface="Courier New" charset="0"/>
+              </a:rPr>
+              <a:t>("%</a:t>
+            </a:r>
+            <a:r>
+              <a:rPr lang="en-US" sz="1800" dirty="0" err="1">
+                <a:latin typeface="Courier New" charset="0"/>
+              </a:rPr>
+              <a:t>d",&amp;n</a:t>
+            </a:r>
+            <a:r>
+              <a:rPr lang="en-US" sz="1800" dirty="0">
+                <a:latin typeface="Courier New" charset="0"/>
+              </a:rPr>
+              <a:t>);</a:t>
             </a:r>
             <a:br>
-              <a:rPr lang="en-US" sz="1800">
+              <a:rPr lang="en-US" sz="1800" dirty="0">
                 <a:latin typeface="Courier New" charset="0"/>
               </a:rPr>
             </a:br>
-            <a:r>
-              <a:rPr lang="en-US" sz="1800">
-                <a:latin typeface="Courier New" charset="0"/>
-              </a:rPr>
-              <a:t>					Note these ( ) are needed</a:t>
-            </a:r>
+            <a:endParaRPr lang="en-US" sz="1800" dirty="0">
+              <a:latin typeface="Courier New" charset="0"/>
+            </a:endParaRPr>
           </a:p>
           <a:p>
             <a:pPr>
@@ -17902,257 +17920,82 @@
               </a:spcBef>
             </a:pPr>
             <a:r>
-              <a:rPr lang="en-US" sz="1800">
-                <a:latin typeface="Courier New" charset="0"/>
-              </a:rPr>
-              <a:t>if ( (n &gt; 10) || (n &lt; 1) )</a:t>
+              <a:rPr lang="en-US" sz="1800" dirty="0" smtClean="0">
+                <a:latin typeface="Courier New" charset="0"/>
+              </a:rPr>
+              <a:t>if </a:t>
+            </a:r>
+            <a:r>
+              <a:rPr lang="en-US" sz="1800" dirty="0">
+                <a:latin typeface="Courier New" charset="0"/>
+              </a:rPr>
+              <a:t>( (n &gt; 10) || (n &lt; 1) )</a:t>
             </a:r>
             <a:br>
-              <a:rPr lang="en-US" sz="1800">
+              <a:rPr lang="en-US" sz="1800" dirty="0">
                 <a:latin typeface="Courier New" charset="0"/>
               </a:rPr>
             </a:br>
             <a:r>
-              <a:rPr lang="en-US" sz="1800">
-                <a:latin typeface="Courier New" charset="0"/>
-              </a:rPr>
-              <a:t>	printf(“That’s not in range!");</a:t>
+              <a:rPr lang="en-US" sz="1800" dirty="0">
+                <a:latin typeface="Courier New" charset="0"/>
+              </a:rPr>
+              <a:t>	</a:t>
+            </a:r>
+            <a:r>
+              <a:rPr lang="en-US" sz="1800" dirty="0" err="1">
+                <a:latin typeface="Courier New" charset="0"/>
+              </a:rPr>
+              <a:t>printf</a:t>
+            </a:r>
+            <a:r>
+              <a:rPr lang="en-US" sz="1800" dirty="0">
+                <a:latin typeface="Courier New" charset="0"/>
+              </a:rPr>
+              <a:t>(“That’s not in range!");</a:t>
             </a:r>
             <a:br>
-              <a:rPr lang="en-US" sz="1800">
+              <a:rPr lang="en-US" sz="1800" dirty="0">
                 <a:latin typeface="Courier New" charset="0"/>
               </a:rPr>
             </a:br>
             <a:r>
-              <a:rPr lang="en-US" sz="1800">
+              <a:rPr lang="en-US" sz="1800" dirty="0">
                 <a:latin typeface="Courier New" charset="0"/>
               </a:rPr>
               <a:t>else</a:t>
             </a:r>
             <a:br>
-              <a:rPr lang="en-US" sz="1800">
+              <a:rPr lang="en-US" sz="1800" dirty="0">
                 <a:latin typeface="Courier New" charset="0"/>
               </a:rPr>
             </a:br>
             <a:r>
-              <a:rPr lang="en-US" sz="1800">
-                <a:latin typeface="Courier New" charset="0"/>
-              </a:rPr>
-              <a:t>	printf("Good job!");</a:t>
+              <a:rPr lang="en-US" sz="1800" dirty="0">
+                <a:latin typeface="Courier New" charset="0"/>
+              </a:rPr>
+              <a:t>	</a:t>
+            </a:r>
+            <a:r>
+              <a:rPr lang="en-US" sz="1800" dirty="0" err="1">
+                <a:latin typeface="Courier New" charset="0"/>
+              </a:rPr>
+              <a:t>printf</a:t>
+            </a:r>
+            <a:r>
+              <a:rPr lang="en-US" sz="1800" dirty="0">
+                <a:latin typeface="Courier New" charset="0"/>
+              </a:rPr>
+              <a:t>("Good job!");</a:t>
             </a:r>
             <a:br>
-              <a:rPr lang="en-US" sz="1800">
+              <a:rPr lang="en-US" sz="1800" dirty="0">
                 <a:latin typeface="Courier New" charset="0"/>
               </a:rPr>
             </a:br>
-            <a:endParaRPr lang="en-US" sz="1800">
+            <a:endParaRPr lang="en-US" sz="1800" dirty="0">
               <a:latin typeface="Courier New" charset="0"/>
             </a:endParaRPr>
-          </a:p>
-        </p:txBody>
-      </p:sp>
-      <p:sp>
-        <p:nvSpPr>
-          <p:cNvPr id="8196" name="Line 4"/>
-          <p:cNvSpPr>
-            <a:spLocks noChangeShapeType="1"/>
-          </p:cNvSpPr>
-          <p:nvPr/>
-        </p:nvSpPr>
-        <p:spPr bwMode="auto">
-          <a:xfrm>
-            <a:off x="1219200" y="2895600"/>
-            <a:ext cx="0" cy="304800"/>
-          </a:xfrm>
-          <a:prstGeom prst="line">
-            <a:avLst/>
-          </a:prstGeom>
-          <a:noFill/>
-          <a:ln w="9525">
-            <a:solidFill>
-              <a:schemeClr val="tx1"/>
-            </a:solidFill>
-            <a:round/>
-            <a:headEnd/>
-            <a:tailEnd type="triangle" w="med" len="med"/>
-          </a:ln>
-          <a:extLst>
-            <a:ext uri="{909E8E84-426E-40dd-AFC4-6F175D3DCCD1}">
-              <a14:hiddenFill xmlns:a14="http://schemas.microsoft.com/office/drawing/2010/main">
-                <a:noFill/>
-              </a14:hiddenFill>
-            </a:ext>
-          </a:extLst>
-        </p:spPr>
-        <p:txBody>
-          <a:bodyPr/>
-          <a:lstStyle/>
-          <a:p>
-            <a:endParaRPr lang="en-US"/>
-          </a:p>
-        </p:txBody>
-      </p:sp>
-      <p:sp>
-        <p:nvSpPr>
-          <p:cNvPr id="8197" name="Line 5"/>
-          <p:cNvSpPr>
-            <a:spLocks noChangeShapeType="1"/>
-          </p:cNvSpPr>
-          <p:nvPr/>
-        </p:nvSpPr>
-        <p:spPr bwMode="auto">
-          <a:xfrm>
-            <a:off x="2133600" y="2895600"/>
-            <a:ext cx="0" cy="304800"/>
-          </a:xfrm>
-          <a:prstGeom prst="line">
-            <a:avLst/>
-          </a:prstGeom>
-          <a:noFill/>
-          <a:ln w="9525">
-            <a:solidFill>
-              <a:schemeClr val="tx1"/>
-            </a:solidFill>
-            <a:round/>
-            <a:headEnd/>
-            <a:tailEnd type="triangle" w="med" len="med"/>
-          </a:ln>
-          <a:extLst>
-            <a:ext uri="{909E8E84-426E-40dd-AFC4-6F175D3DCCD1}">
-              <a14:hiddenFill xmlns:a14="http://schemas.microsoft.com/office/drawing/2010/main">
-                <a:noFill/>
-              </a14:hiddenFill>
-            </a:ext>
-          </a:extLst>
-        </p:spPr>
-        <p:txBody>
-          <a:bodyPr/>
-          <a:lstStyle/>
-          <a:p>
-            <a:endParaRPr lang="en-US"/>
-          </a:p>
-        </p:txBody>
-      </p:sp>
-      <p:sp>
-        <p:nvSpPr>
-          <p:cNvPr id="8198" name="Line 6"/>
-          <p:cNvSpPr>
-            <a:spLocks noChangeShapeType="1"/>
-          </p:cNvSpPr>
-          <p:nvPr/>
-        </p:nvSpPr>
-        <p:spPr bwMode="auto">
-          <a:xfrm>
-            <a:off x="2895600" y="2895600"/>
-            <a:ext cx="0" cy="304800"/>
-          </a:xfrm>
-          <a:prstGeom prst="line">
-            <a:avLst/>
-          </a:prstGeom>
-          <a:noFill/>
-          <a:ln w="9525">
-            <a:solidFill>
-              <a:schemeClr val="tx1"/>
-            </a:solidFill>
-            <a:round/>
-            <a:headEnd/>
-            <a:tailEnd type="triangle" w="med" len="med"/>
-          </a:ln>
-          <a:extLst>
-            <a:ext uri="{909E8E84-426E-40dd-AFC4-6F175D3DCCD1}">
-              <a14:hiddenFill xmlns:a14="http://schemas.microsoft.com/office/drawing/2010/main">
-                <a:noFill/>
-              </a14:hiddenFill>
-            </a:ext>
-          </a:extLst>
-        </p:spPr>
-        <p:txBody>
-          <a:bodyPr/>
-          <a:lstStyle/>
-          <a:p>
-            <a:endParaRPr lang="en-US"/>
-          </a:p>
-        </p:txBody>
-      </p:sp>
-      <p:sp>
-        <p:nvSpPr>
-          <p:cNvPr id="8199" name="Line 7"/>
-          <p:cNvSpPr>
-            <a:spLocks noChangeShapeType="1"/>
-          </p:cNvSpPr>
-          <p:nvPr/>
-        </p:nvSpPr>
-        <p:spPr bwMode="auto">
-          <a:xfrm>
-            <a:off x="3657600" y="2895600"/>
-            <a:ext cx="0" cy="304800"/>
-          </a:xfrm>
-          <a:prstGeom prst="line">
-            <a:avLst/>
-          </a:prstGeom>
-          <a:noFill/>
-          <a:ln w="9525">
-            <a:solidFill>
-              <a:schemeClr val="tx1"/>
-            </a:solidFill>
-            <a:round/>
-            <a:headEnd/>
-            <a:tailEnd type="triangle" w="med" len="med"/>
-          </a:ln>
-          <a:extLst>
-            <a:ext uri="{909E8E84-426E-40dd-AFC4-6F175D3DCCD1}">
-              <a14:hiddenFill xmlns:a14="http://schemas.microsoft.com/office/drawing/2010/main">
-                <a:noFill/>
-              </a14:hiddenFill>
-            </a:ext>
-          </a:extLst>
-        </p:spPr>
-        <p:txBody>
-          <a:bodyPr/>
-          <a:lstStyle/>
-          <a:p>
-            <a:endParaRPr lang="en-US"/>
-          </a:p>
-        </p:txBody>
-      </p:sp>
-      <p:sp>
-        <p:nvSpPr>
-          <p:cNvPr id="8200" name="Line 8"/>
-          <p:cNvSpPr>
-            <a:spLocks noChangeShapeType="1"/>
-          </p:cNvSpPr>
-          <p:nvPr/>
-        </p:nvSpPr>
-        <p:spPr bwMode="auto">
-          <a:xfrm>
-            <a:off x="1219200" y="2895600"/>
-            <a:ext cx="3657600" cy="0"/>
-          </a:xfrm>
-          <a:prstGeom prst="line">
-            <a:avLst/>
-          </a:prstGeom>
-          <a:noFill/>
-          <a:ln w="9525">
-            <a:solidFill>
-              <a:schemeClr val="tx1"/>
-            </a:solidFill>
-            <a:round/>
-            <a:headEnd/>
-            <a:tailEnd/>
-          </a:ln>
-          <a:extLst>
-            <a:ext uri="{909E8E84-426E-40dd-AFC4-6F175D3DCCD1}">
-              <a14:hiddenFill xmlns:a14="http://schemas.microsoft.com/office/drawing/2010/main">
-                <a:noFill/>
-              </a14:hiddenFill>
-            </a:ext>
-          </a:extLst>
-        </p:spPr>
-        <p:txBody>
-          <a:bodyPr/>
-          <a:lstStyle/>
-          <a:p>
-            <a:endParaRPr lang="en-US"/>
           </a:p>
         </p:txBody>
       </p:sp>
@@ -18292,7 +18135,7 @@
                 <a:latin typeface="Garamond" charset="0"/>
               </a:rPr>
               <a:pPr eaLnBrk="1" hangingPunct="1"/>
-              <a:t>9/17/15</a:t>
+              <a:t>9/21/15</a:t>
             </a:fld>
             <a:endParaRPr lang="en-US">
               <a:latin typeface="Garamond" charset="0"/>
@@ -18668,7 +18511,7 @@
               </a:spcBef>
             </a:pPr>
             <a:r>
-              <a:rPr lang="en-US" sz="1800"/>
+              <a:rPr lang="en-US" sz="1800" dirty="0"/>
               <a:t>Use the &amp;&amp; or || as needed to check for multiple conditions</a:t>
             </a:r>
           </a:p>
@@ -18679,10 +18522,16 @@
               </a:spcBef>
             </a:pPr>
             <a:r>
-              <a:rPr lang="en-US" sz="1800">
-                <a:latin typeface="Courier New" charset="0"/>
-              </a:rPr>
-              <a:t>int n;</a:t>
+              <a:rPr lang="en-US" sz="1800" dirty="0" err="1">
+                <a:latin typeface="Courier New" charset="0"/>
+              </a:rPr>
+              <a:t>int</a:t>
+            </a:r>
+            <a:r>
+              <a:rPr lang="en-US" sz="1800" dirty="0">
+                <a:latin typeface="Courier New" charset="0"/>
+              </a:rPr>
+              <a:t> n;</a:t>
             </a:r>
           </a:p>
           <a:p>
@@ -18692,32 +18541,56 @@
               </a:spcBef>
             </a:pPr>
             <a:r>
-              <a:rPr lang="en-US" sz="1800">
-                <a:latin typeface="Courier New" charset="0"/>
-              </a:rPr>
-              <a:t>printf("Enter a number 1 to 10: ");</a:t>
+              <a:rPr lang="en-US" sz="1800" dirty="0" err="1">
+                <a:latin typeface="Courier New" charset="0"/>
+              </a:rPr>
+              <a:t>printf</a:t>
+            </a:r>
+            <a:r>
+              <a:rPr lang="en-US" sz="1800" dirty="0">
+                <a:latin typeface="Courier New" charset="0"/>
+              </a:rPr>
+              <a:t>("Enter a number 1 to 10: ");</a:t>
             </a:r>
             <a:br>
-              <a:rPr lang="en-US" sz="1800">
+              <a:rPr lang="en-US" sz="1800" dirty="0">
                 <a:latin typeface="Courier New" charset="0"/>
               </a:rPr>
             </a:br>
             <a:r>
-              <a:rPr lang="en-US" sz="1800">
-                <a:latin typeface="Courier New" charset="0"/>
-              </a:rPr>
-              <a:t>scanf("%d",&amp;n);</a:t>
+              <a:rPr lang="en-US" sz="1800" dirty="0" err="1">
+                <a:latin typeface="Courier New" charset="0"/>
+              </a:rPr>
+              <a:t>scanf</a:t>
+            </a:r>
+            <a:r>
+              <a:rPr lang="en-US" sz="1800" dirty="0">
+                <a:latin typeface="Courier New" charset="0"/>
+              </a:rPr>
+              <a:t>("%</a:t>
+            </a:r>
+            <a:r>
+              <a:rPr lang="en-US" sz="1800" dirty="0" err="1">
+                <a:latin typeface="Courier New" charset="0"/>
+              </a:rPr>
+              <a:t>d",&amp;n</a:t>
+            </a:r>
+            <a:r>
+              <a:rPr lang="en-US" sz="1800" dirty="0">
+                <a:latin typeface="Courier New" charset="0"/>
+              </a:rPr>
+              <a:t>);</a:t>
             </a:r>
             <a:br>
-              <a:rPr lang="en-US" sz="1800">
+              <a:rPr lang="en-US" sz="1800" dirty="0">
                 <a:latin typeface="Courier New" charset="0"/>
               </a:rPr>
             </a:br>
             <a:r>
-              <a:rPr lang="en-US" sz="1800">
-                <a:latin typeface="Courier New" charset="0"/>
-              </a:rPr>
-              <a:t>					Note these ( ) are needed</a:t>
+              <a:rPr lang="en-US" sz="1800" dirty="0">
+                <a:latin typeface="Courier New" charset="0"/>
+              </a:rPr>
+              <a:t>					</a:t>
             </a:r>
           </a:p>
           <a:p>
@@ -18727,257 +18600,76 @@
               </a:spcBef>
             </a:pPr>
             <a:r>
-              <a:rPr lang="en-US" sz="1800">
+              <a:rPr lang="en-US" sz="1800" dirty="0">
                 <a:latin typeface="Courier New" charset="0"/>
               </a:rPr>
               <a:t>if ( (1 &lt;= n) &amp;&amp; (n &lt;= 10) )</a:t>
             </a:r>
             <a:br>
-              <a:rPr lang="en-US" sz="1800">
+              <a:rPr lang="en-US" sz="1800" dirty="0">
                 <a:latin typeface="Courier New" charset="0"/>
               </a:rPr>
             </a:br>
             <a:r>
-              <a:rPr lang="en-US" sz="1800">
-                <a:latin typeface="Courier New" charset="0"/>
-              </a:rPr>
-              <a:t>	printf(“Good job!");</a:t>
+              <a:rPr lang="en-US" sz="1800" dirty="0">
+                <a:latin typeface="Courier New" charset="0"/>
+              </a:rPr>
+              <a:t>	</a:t>
+            </a:r>
+            <a:r>
+              <a:rPr lang="en-US" sz="1800" dirty="0" err="1">
+                <a:latin typeface="Courier New" charset="0"/>
+              </a:rPr>
+              <a:t>printf</a:t>
+            </a:r>
+            <a:r>
+              <a:rPr lang="en-US" sz="1800" dirty="0">
+                <a:latin typeface="Courier New" charset="0"/>
+              </a:rPr>
+              <a:t>(“Good job!");</a:t>
             </a:r>
             <a:br>
-              <a:rPr lang="en-US" sz="1800">
+              <a:rPr lang="en-US" sz="1800" dirty="0">
                 <a:latin typeface="Courier New" charset="0"/>
               </a:rPr>
             </a:br>
             <a:r>
-              <a:rPr lang="en-US" sz="1800">
+              <a:rPr lang="en-US" sz="1800" dirty="0">
                 <a:latin typeface="Courier New" charset="0"/>
               </a:rPr>
               <a:t>else</a:t>
             </a:r>
             <a:br>
-              <a:rPr lang="en-US" sz="1800">
+              <a:rPr lang="en-US" sz="1800" dirty="0">
                 <a:latin typeface="Courier New" charset="0"/>
               </a:rPr>
             </a:br>
             <a:r>
-              <a:rPr lang="en-US" sz="1800">
-                <a:latin typeface="Courier New" charset="0"/>
-              </a:rPr>
-              <a:t>	printf(“That’s not in range!");</a:t>
+              <a:rPr lang="en-US" sz="1800" dirty="0">
+                <a:latin typeface="Courier New" charset="0"/>
+              </a:rPr>
+              <a:t>	</a:t>
+            </a:r>
+            <a:r>
+              <a:rPr lang="en-US" sz="1800" dirty="0" err="1">
+                <a:latin typeface="Courier New" charset="0"/>
+              </a:rPr>
+              <a:t>printf</a:t>
+            </a:r>
+            <a:r>
+              <a:rPr lang="en-US" sz="1800" dirty="0">
+                <a:latin typeface="Courier New" charset="0"/>
+              </a:rPr>
+              <a:t>(“That’s not in range!");</a:t>
             </a:r>
             <a:br>
-              <a:rPr lang="en-US" sz="1800">
+              <a:rPr lang="en-US" sz="1800" dirty="0">
                 <a:latin typeface="Courier New" charset="0"/>
               </a:rPr>
             </a:br>
-            <a:endParaRPr lang="en-US" sz="1800">
+            <a:endParaRPr lang="en-US" sz="1800" dirty="0">
               <a:latin typeface="Courier New" charset="0"/>
             </a:endParaRPr>
-          </a:p>
-        </p:txBody>
-      </p:sp>
-      <p:sp>
-        <p:nvSpPr>
-          <p:cNvPr id="9220" name="Line 4"/>
-          <p:cNvSpPr>
-            <a:spLocks noChangeShapeType="1"/>
-          </p:cNvSpPr>
-          <p:nvPr/>
-        </p:nvSpPr>
-        <p:spPr bwMode="auto">
-          <a:xfrm>
-            <a:off x="1219200" y="2895600"/>
-            <a:ext cx="0" cy="304800"/>
-          </a:xfrm>
-          <a:prstGeom prst="line">
-            <a:avLst/>
-          </a:prstGeom>
-          <a:noFill/>
-          <a:ln w="9525">
-            <a:solidFill>
-              <a:schemeClr val="tx1"/>
-            </a:solidFill>
-            <a:round/>
-            <a:headEnd/>
-            <a:tailEnd type="triangle" w="med" len="med"/>
-          </a:ln>
-          <a:extLst>
-            <a:ext uri="{909E8E84-426E-40dd-AFC4-6F175D3DCCD1}">
-              <a14:hiddenFill xmlns:a14="http://schemas.microsoft.com/office/drawing/2010/main">
-                <a:noFill/>
-              </a14:hiddenFill>
-            </a:ext>
-          </a:extLst>
-        </p:spPr>
-        <p:txBody>
-          <a:bodyPr/>
-          <a:lstStyle/>
-          <a:p>
-            <a:endParaRPr lang="en-US"/>
-          </a:p>
-        </p:txBody>
-      </p:sp>
-      <p:sp>
-        <p:nvSpPr>
-          <p:cNvPr id="9221" name="Line 5"/>
-          <p:cNvSpPr>
-            <a:spLocks noChangeShapeType="1"/>
-          </p:cNvSpPr>
-          <p:nvPr/>
-        </p:nvSpPr>
-        <p:spPr bwMode="auto">
-          <a:xfrm>
-            <a:off x="2133600" y="2895600"/>
-            <a:ext cx="0" cy="304800"/>
-          </a:xfrm>
-          <a:prstGeom prst="line">
-            <a:avLst/>
-          </a:prstGeom>
-          <a:noFill/>
-          <a:ln w="9525">
-            <a:solidFill>
-              <a:schemeClr val="tx1"/>
-            </a:solidFill>
-            <a:round/>
-            <a:headEnd/>
-            <a:tailEnd type="triangle" w="med" len="med"/>
-          </a:ln>
-          <a:extLst>
-            <a:ext uri="{909E8E84-426E-40dd-AFC4-6F175D3DCCD1}">
-              <a14:hiddenFill xmlns:a14="http://schemas.microsoft.com/office/drawing/2010/main">
-                <a:noFill/>
-              </a14:hiddenFill>
-            </a:ext>
-          </a:extLst>
-        </p:spPr>
-        <p:txBody>
-          <a:bodyPr/>
-          <a:lstStyle/>
-          <a:p>
-            <a:endParaRPr lang="en-US"/>
-          </a:p>
-        </p:txBody>
-      </p:sp>
-      <p:sp>
-        <p:nvSpPr>
-          <p:cNvPr id="9222" name="Line 6"/>
-          <p:cNvSpPr>
-            <a:spLocks noChangeShapeType="1"/>
-          </p:cNvSpPr>
-          <p:nvPr/>
-        </p:nvSpPr>
-        <p:spPr bwMode="auto">
-          <a:xfrm>
-            <a:off x="2895600" y="2895600"/>
-            <a:ext cx="0" cy="304800"/>
-          </a:xfrm>
-          <a:prstGeom prst="line">
-            <a:avLst/>
-          </a:prstGeom>
-          <a:noFill/>
-          <a:ln w="9525">
-            <a:solidFill>
-              <a:schemeClr val="tx1"/>
-            </a:solidFill>
-            <a:round/>
-            <a:headEnd/>
-            <a:tailEnd type="triangle" w="med" len="med"/>
-          </a:ln>
-          <a:extLst>
-            <a:ext uri="{909E8E84-426E-40dd-AFC4-6F175D3DCCD1}">
-              <a14:hiddenFill xmlns:a14="http://schemas.microsoft.com/office/drawing/2010/main">
-                <a:noFill/>
-              </a14:hiddenFill>
-            </a:ext>
-          </a:extLst>
-        </p:spPr>
-        <p:txBody>
-          <a:bodyPr/>
-          <a:lstStyle/>
-          <a:p>
-            <a:endParaRPr lang="en-US"/>
-          </a:p>
-        </p:txBody>
-      </p:sp>
-      <p:sp>
-        <p:nvSpPr>
-          <p:cNvPr id="9223" name="Line 7"/>
-          <p:cNvSpPr>
-            <a:spLocks noChangeShapeType="1"/>
-          </p:cNvSpPr>
-          <p:nvPr/>
-        </p:nvSpPr>
-        <p:spPr bwMode="auto">
-          <a:xfrm>
-            <a:off x="3962400" y="2895600"/>
-            <a:ext cx="0" cy="304800"/>
-          </a:xfrm>
-          <a:prstGeom prst="line">
-            <a:avLst/>
-          </a:prstGeom>
-          <a:noFill/>
-          <a:ln w="9525">
-            <a:solidFill>
-              <a:schemeClr val="tx1"/>
-            </a:solidFill>
-            <a:round/>
-            <a:headEnd/>
-            <a:tailEnd type="triangle" w="med" len="med"/>
-          </a:ln>
-          <a:extLst>
-            <a:ext uri="{909E8E84-426E-40dd-AFC4-6F175D3DCCD1}">
-              <a14:hiddenFill xmlns:a14="http://schemas.microsoft.com/office/drawing/2010/main">
-                <a:noFill/>
-              </a14:hiddenFill>
-            </a:ext>
-          </a:extLst>
-        </p:spPr>
-        <p:txBody>
-          <a:bodyPr/>
-          <a:lstStyle/>
-          <a:p>
-            <a:endParaRPr lang="en-US"/>
-          </a:p>
-        </p:txBody>
-      </p:sp>
-      <p:sp>
-        <p:nvSpPr>
-          <p:cNvPr id="9224" name="Line 8"/>
-          <p:cNvSpPr>
-            <a:spLocks noChangeShapeType="1"/>
-          </p:cNvSpPr>
-          <p:nvPr/>
-        </p:nvSpPr>
-        <p:spPr bwMode="auto">
-          <a:xfrm>
-            <a:off x="1219200" y="2895600"/>
-            <a:ext cx="3657600" cy="0"/>
-          </a:xfrm>
-          <a:prstGeom prst="line">
-            <a:avLst/>
-          </a:prstGeom>
-          <a:noFill/>
-          <a:ln w="9525">
-            <a:solidFill>
-              <a:schemeClr val="tx1"/>
-            </a:solidFill>
-            <a:round/>
-            <a:headEnd/>
-            <a:tailEnd/>
-          </a:ln>
-          <a:extLst>
-            <a:ext uri="{909E8E84-426E-40dd-AFC4-6F175D3DCCD1}">
-              <a14:hiddenFill xmlns:a14="http://schemas.microsoft.com/office/drawing/2010/main">
-                <a:noFill/>
-              </a14:hiddenFill>
-            </a:ext>
-          </a:extLst>
-        </p:spPr>
-        <p:txBody>
-          <a:bodyPr/>
-          <a:lstStyle/>
-          <a:p>
-            <a:endParaRPr lang="en-US"/>
           </a:p>
         </p:txBody>
       </p:sp>
@@ -19117,7 +18809,7 @@
                 <a:latin typeface="Garamond" charset="0"/>
               </a:rPr>
               <a:pPr eaLnBrk="1" hangingPunct="1"/>
-              <a:t>9/17/15</a:t>
+              <a:t>9/21/15</a:t>
             </a:fld>
             <a:endParaRPr lang="en-US">
               <a:latin typeface="Garamond" charset="0"/>
@@ -19745,7 +19437,7 @@
                 <a:latin typeface="Garamond" charset="0"/>
               </a:rPr>
               <a:pPr eaLnBrk="1" hangingPunct="1"/>
-              <a:t>9/17/15</a:t>
+              <a:t>9/21/15</a:t>
             </a:fld>
             <a:endParaRPr lang="en-US">
               <a:latin typeface="Garamond" charset="0"/>
@@ -20447,7 +20139,7 @@
                 <a:latin typeface="Garamond" charset="0"/>
               </a:rPr>
               <a:pPr eaLnBrk="1" hangingPunct="1"/>
-              <a:t>9/17/15</a:t>
+              <a:t>9/21/15</a:t>
             </a:fld>
             <a:endParaRPr lang="en-US">
               <a:latin typeface="Garamond" charset="0"/>
